--- a/Prezentacje/Michał Suchorzyński 122033 Prezentacja 5.pptx
+++ b/Prezentacje/Michał Suchorzyński 122033 Prezentacja 5.pptx
@@ -6651,7 +6651,7 @@
           <a:p>
             <a:r>
               <a:rPr lang="pl-PL" dirty="0"/>
-              <a:t>Co musze jeszcze zrobić?</a:t>
+              <a:t>Czego jeszcze brakuję?</a:t>
             </a:r>
           </a:p>
         </p:txBody>
@@ -6691,13 +6691,8 @@
           <a:p>
             <a:r>
               <a:rPr lang="pl-PL" dirty="0"/>
-              <a:t>Test działania na </a:t>
-            </a:r>
-            <a:r>
-              <a:rPr lang="pl-PL"/>
-              <a:t>wielu komputerach</a:t>
-            </a:r>
-            <a:endParaRPr lang="pl-PL" dirty="0"/>
+              <a:t>Test działania na wielu komputerach</a:t>
+            </a:r>
           </a:p>
         </p:txBody>
       </p:sp>
